--- a/Presentation/presentationECEAmazon.pptx
+++ b/Presentation/presentationECEAmazon.pptx
@@ -221,7 +221,7 @@
             <a:fld id="{B6EA6E38-82B1-47BB-A812-313B295FEFF2}" type="datetimeFigureOut">
               <a:rPr lang="en-US" smtClean="0"/>
               <a:pPr/>
-              <a:t>5/4/2019</a:t>
+              <a:t>5/5/2019</a:t>
             </a:fld>
             <a:endParaRPr lang="en-US"/>
           </a:p>
@@ -671,7 +671,7 @@
             <a:fld id="{BE3545F7-77F9-4401-AA0E-BF14C26D8903}" type="datetimeFigureOut">
               <a:rPr lang="en-US" smtClean="0"/>
               <a:pPr/>
-              <a:t>5/4/2019</a:t>
+              <a:t>5/5/2019</a:t>
             </a:fld>
             <a:endParaRPr lang="en-US"/>
           </a:p>
@@ -836,7 +836,7 @@
             <a:fld id="{BE3545F7-77F9-4401-AA0E-BF14C26D8903}" type="datetimeFigureOut">
               <a:rPr lang="en-US" smtClean="0"/>
               <a:pPr/>
-              <a:t>5/4/2019</a:t>
+              <a:t>5/5/2019</a:t>
             </a:fld>
             <a:endParaRPr lang="en-US"/>
           </a:p>
@@ -1011,7 +1011,7 @@
             <a:fld id="{BE3545F7-77F9-4401-AA0E-BF14C26D8903}" type="datetimeFigureOut">
               <a:rPr lang="en-US" smtClean="0"/>
               <a:pPr/>
-              <a:t>5/4/2019</a:t>
+              <a:t>5/5/2019</a:t>
             </a:fld>
             <a:endParaRPr lang="en-US"/>
           </a:p>
@@ -1248,7 +1248,7 @@
             <a:fld id="{256B7A0F-5B99-4F35-9BDD-321CD3C098FF}" type="datetimeFigureOut">
               <a:rPr lang="en-US" smtClean="0"/>
               <a:pPr/>
-              <a:t>5/4/2019</a:t>
+              <a:t>5/5/2019</a:t>
             </a:fld>
             <a:endParaRPr lang="en-US"/>
           </a:p>
@@ -1413,7 +1413,7 @@
             <a:fld id="{256B7A0F-5B99-4F35-9BDD-321CD3C098FF}" type="datetimeFigureOut">
               <a:rPr lang="en-US" smtClean="0"/>
               <a:pPr/>
-              <a:t>5/4/2019</a:t>
+              <a:t>5/5/2019</a:t>
             </a:fld>
             <a:endParaRPr lang="en-US"/>
           </a:p>
@@ -1655,7 +1655,7 @@
             <a:fld id="{256B7A0F-5B99-4F35-9BDD-321CD3C098FF}" type="datetimeFigureOut">
               <a:rPr lang="en-US" smtClean="0"/>
               <a:pPr/>
-              <a:t>5/4/2019</a:t>
+              <a:t>5/5/2019</a:t>
             </a:fld>
             <a:endParaRPr lang="en-US"/>
           </a:p>
@@ -1937,7 +1937,7 @@
             <a:fld id="{256B7A0F-5B99-4F35-9BDD-321CD3C098FF}" type="datetimeFigureOut">
               <a:rPr lang="en-US" smtClean="0"/>
               <a:pPr/>
-              <a:t>5/4/2019</a:t>
+              <a:t>5/5/2019</a:t>
             </a:fld>
             <a:endParaRPr lang="en-US"/>
           </a:p>
@@ -2353,7 +2353,7 @@
             <a:fld id="{256B7A0F-5B99-4F35-9BDD-321CD3C098FF}" type="datetimeFigureOut">
               <a:rPr lang="en-US" smtClean="0"/>
               <a:pPr/>
-              <a:t>5/4/2019</a:t>
+              <a:t>5/5/2019</a:t>
             </a:fld>
             <a:endParaRPr lang="en-US"/>
           </a:p>
@@ -2467,7 +2467,7 @@
             <a:fld id="{256B7A0F-5B99-4F35-9BDD-321CD3C098FF}" type="datetimeFigureOut">
               <a:rPr lang="en-US" smtClean="0"/>
               <a:pPr/>
-              <a:t>5/4/2019</a:t>
+              <a:t>5/5/2019</a:t>
             </a:fld>
             <a:endParaRPr lang="en-US"/>
           </a:p>
@@ -2559,7 +2559,7 @@
             <a:fld id="{256B7A0F-5B99-4F35-9BDD-321CD3C098FF}" type="datetimeFigureOut">
               <a:rPr lang="en-US" smtClean="0"/>
               <a:pPr/>
-              <a:t>5/4/2019</a:t>
+              <a:t>5/5/2019</a:t>
             </a:fld>
             <a:endParaRPr lang="en-US"/>
           </a:p>
@@ -2831,7 +2831,7 @@
             <a:fld id="{256B7A0F-5B99-4F35-9BDD-321CD3C098FF}" type="datetimeFigureOut">
               <a:rPr lang="en-US" smtClean="0"/>
               <a:pPr/>
-              <a:t>5/4/2019</a:t>
+              <a:t>5/5/2019</a:t>
             </a:fld>
             <a:endParaRPr lang="en-US"/>
           </a:p>
@@ -2996,7 +2996,7 @@
             <a:fld id="{BE3545F7-77F9-4401-AA0E-BF14C26D8903}" type="datetimeFigureOut">
               <a:rPr lang="en-US" smtClean="0"/>
               <a:pPr/>
-              <a:t>5/4/2019</a:t>
+              <a:t>5/5/2019</a:t>
             </a:fld>
             <a:endParaRPr lang="en-US"/>
           </a:p>
@@ -3245,7 +3245,7 @@
             <a:fld id="{256B7A0F-5B99-4F35-9BDD-321CD3C098FF}" type="datetimeFigureOut">
               <a:rPr lang="en-US" smtClean="0"/>
               <a:pPr/>
-              <a:t>5/4/2019</a:t>
+              <a:t>5/5/2019</a:t>
             </a:fld>
             <a:endParaRPr lang="en-US"/>
           </a:p>
@@ -3410,7 +3410,7 @@
             <a:fld id="{256B7A0F-5B99-4F35-9BDD-321CD3C098FF}" type="datetimeFigureOut">
               <a:rPr lang="en-US" smtClean="0"/>
               <a:pPr/>
-              <a:t>5/4/2019</a:t>
+              <a:t>5/5/2019</a:t>
             </a:fld>
             <a:endParaRPr lang="en-US"/>
           </a:p>
@@ -3585,7 +3585,7 @@
             <a:fld id="{256B7A0F-5B99-4F35-9BDD-321CD3C098FF}" type="datetimeFigureOut">
               <a:rPr lang="en-US" smtClean="0"/>
               <a:pPr/>
-              <a:t>5/4/2019</a:t>
+              <a:t>5/5/2019</a:t>
             </a:fld>
             <a:endParaRPr lang="en-US"/>
           </a:p>
@@ -3828,7 +3828,7 @@
                 </a:solidFill>
               </a:rPr>
               <a:pPr/>
-              <a:t>5/4/2019</a:t>
+              <a:t>5/5/2019</a:t>
             </a:fld>
             <a:endParaRPr lang="en-US">
               <a:solidFill>
@@ -4028,7 +4028,7 @@
                 </a:solidFill>
               </a:rPr>
               <a:pPr/>
-              <a:t>5/4/2019</a:t>
+              <a:t>5/5/2019</a:t>
             </a:fld>
             <a:endParaRPr lang="en-US">
               <a:solidFill>
@@ -4305,7 +4305,7 @@
                 </a:solidFill>
               </a:rPr>
               <a:pPr/>
-              <a:t>5/4/2019</a:t>
+              <a:t>5/5/2019</a:t>
             </a:fld>
             <a:endParaRPr lang="en-US">
               <a:solidFill>
@@ -4622,7 +4622,7 @@
                 </a:solidFill>
               </a:rPr>
               <a:pPr/>
-              <a:t>5/4/2019</a:t>
+              <a:t>5/5/2019</a:t>
             </a:fld>
             <a:endParaRPr lang="en-US">
               <a:solidFill>
@@ -5073,7 +5073,7 @@
                 </a:solidFill>
               </a:rPr>
               <a:pPr/>
-              <a:t>5/4/2019</a:t>
+              <a:t>5/5/2019</a:t>
             </a:fld>
             <a:endParaRPr lang="en-US">
               <a:solidFill>
@@ -5222,7 +5222,7 @@
                 </a:solidFill>
               </a:rPr>
               <a:pPr/>
-              <a:t>5/4/2019</a:t>
+              <a:t>5/5/2019</a:t>
             </a:fld>
             <a:endParaRPr lang="en-US">
               <a:solidFill>
@@ -5349,7 +5349,7 @@
                 </a:solidFill>
               </a:rPr>
               <a:pPr/>
-              <a:t>5/4/2019</a:t>
+              <a:t>5/5/2019</a:t>
             </a:fld>
             <a:endParaRPr lang="en-US">
               <a:solidFill>
@@ -5620,7 +5620,7 @@
             <a:fld id="{BE3545F7-77F9-4401-AA0E-BF14C26D8903}" type="datetimeFigureOut">
               <a:rPr lang="en-US" smtClean="0"/>
               <a:pPr/>
-              <a:t>5/4/2019</a:t>
+              <a:t>5/5/2019</a:t>
             </a:fld>
             <a:endParaRPr lang="en-US"/>
           </a:p>
@@ -5898,7 +5898,7 @@
                 </a:solidFill>
               </a:rPr>
               <a:pPr/>
-              <a:t>5/4/2019</a:t>
+              <a:t>5/5/2019</a:t>
             </a:fld>
             <a:endParaRPr lang="en-US">
               <a:solidFill>
@@ -6182,7 +6182,7 @@
                 </a:solidFill>
               </a:rPr>
               <a:pPr/>
-              <a:t>5/4/2019</a:t>
+              <a:t>5/5/2019</a:t>
             </a:fld>
             <a:endParaRPr lang="en-US">
               <a:solidFill>
@@ -6382,7 +6382,7 @@
                 </a:solidFill>
               </a:rPr>
               <a:pPr/>
-              <a:t>5/4/2019</a:t>
+              <a:t>5/5/2019</a:t>
             </a:fld>
             <a:endParaRPr lang="en-US">
               <a:solidFill>
@@ -6592,7 +6592,7 @@
                 </a:solidFill>
               </a:rPr>
               <a:pPr/>
-              <a:t>5/4/2019</a:t>
+              <a:t>5/5/2019</a:t>
             </a:fld>
             <a:endParaRPr lang="en-US">
               <a:solidFill>
@@ -6903,7 +6903,7 @@
             <a:fld id="{BE3545F7-77F9-4401-AA0E-BF14C26D8903}" type="datetimeFigureOut">
               <a:rPr lang="en-US" smtClean="0"/>
               <a:pPr/>
-              <a:t>5/4/2019</a:t>
+              <a:t>5/5/2019</a:t>
             </a:fld>
             <a:endParaRPr lang="en-US"/>
           </a:p>
@@ -7319,7 +7319,7 @@
             <a:fld id="{BE3545F7-77F9-4401-AA0E-BF14C26D8903}" type="datetimeFigureOut">
               <a:rPr lang="en-US" smtClean="0"/>
               <a:pPr/>
-              <a:t>5/4/2019</a:t>
+              <a:t>5/5/2019</a:t>
             </a:fld>
             <a:endParaRPr lang="en-US"/>
           </a:p>
@@ -7433,7 +7433,7 @@
             <a:fld id="{BE3545F7-77F9-4401-AA0E-BF14C26D8903}" type="datetimeFigureOut">
               <a:rPr lang="en-US" smtClean="0"/>
               <a:pPr/>
-              <a:t>5/4/2019</a:t>
+              <a:t>5/5/2019</a:t>
             </a:fld>
             <a:endParaRPr lang="en-US"/>
           </a:p>
@@ -7525,7 +7525,7 @@
             <a:fld id="{BE3545F7-77F9-4401-AA0E-BF14C26D8903}" type="datetimeFigureOut">
               <a:rPr lang="en-US" smtClean="0"/>
               <a:pPr/>
-              <a:t>5/4/2019</a:t>
+              <a:t>5/5/2019</a:t>
             </a:fld>
             <a:endParaRPr lang="en-US"/>
           </a:p>
@@ -7797,7 +7797,7 @@
             <a:fld id="{BE3545F7-77F9-4401-AA0E-BF14C26D8903}" type="datetimeFigureOut">
               <a:rPr lang="en-US" smtClean="0"/>
               <a:pPr/>
-              <a:t>5/4/2019</a:t>
+              <a:t>5/5/2019</a:t>
             </a:fld>
             <a:endParaRPr lang="en-US"/>
           </a:p>
@@ -8046,7 +8046,7 @@
             <a:fld id="{BE3545F7-77F9-4401-AA0E-BF14C26D8903}" type="datetimeFigureOut">
               <a:rPr lang="en-US" smtClean="0"/>
               <a:pPr/>
-              <a:t>5/4/2019</a:t>
+              <a:t>5/5/2019</a:t>
             </a:fld>
             <a:endParaRPr lang="en-US"/>
           </a:p>
@@ -8263,7 +8263,7 @@
             <a:fld id="{BE3545F7-77F9-4401-AA0E-BF14C26D8903}" type="datetimeFigureOut">
               <a:rPr lang="en-US" smtClean="0"/>
               <a:pPr/>
-              <a:t>5/4/2019</a:t>
+              <a:t>5/5/2019</a:t>
             </a:fld>
             <a:endParaRPr lang="en-US"/>
           </a:p>
@@ -8777,7 +8777,7 @@
             <a:fld id="{256B7A0F-5B99-4F35-9BDD-321CD3C098FF}" type="datetimeFigureOut">
               <a:rPr lang="en-US" smtClean="0"/>
               <a:pPr/>
-              <a:t>5/4/2019</a:t>
+              <a:t>5/5/2019</a:t>
             </a:fld>
             <a:endParaRPr lang="en-US"/>
           </a:p>
@@ -9297,7 +9297,7 @@
                 </a:solidFill>
               </a:rPr>
               <a:pPr/>
-              <a:t>5/4/2019</a:t>
+              <a:t>5/5/2019</a:t>
             </a:fld>
             <a:endParaRPr lang="en-US">
               <a:solidFill>
@@ -12331,6 +12331,67 @@
           </a:prstGeom>
         </p:spPr>
       </p:pic>
+      <p:sp>
+        <p:nvSpPr>
+          <p:cNvPr id="2" name="ZoneTexte 1">
+            <a:extLst>
+              <a:ext uri="{FF2B5EF4-FFF2-40B4-BE49-F238E27FC236}">
+                <a16:creationId xmlns:a16="http://schemas.microsoft.com/office/drawing/2014/main" id="{70411D24-B170-495A-B44C-1A1AE0DF3E17}"/>
+              </a:ext>
+            </a:extLst>
+          </p:cNvPr>
+          <p:cNvSpPr txBox="1"/>
+          <p:nvPr/>
+        </p:nvSpPr>
+        <p:spPr>
+          <a:xfrm>
+            <a:off x="6781800" y="1458250"/>
+            <a:ext cx="2057400" cy="1477328"/>
+          </a:xfrm>
+          <a:prstGeom prst="rect">
+            <a:avLst/>
+          </a:prstGeom>
+          <a:noFill/>
+        </p:spPr>
+        <p:txBody>
+          <a:bodyPr wrap="square" rtlCol="0">
+            <a:spAutoFit/>
+          </a:bodyPr>
+          <a:lstStyle/>
+          <a:p>
+            <a:r>
+              <a:rPr lang="fr-FR" dirty="0"/>
+              <a:t>Bootstrap</a:t>
+            </a:r>
+          </a:p>
+          <a:p>
+            <a:r>
+              <a:rPr lang="fr-FR" dirty="0"/>
+              <a:t>CSS</a:t>
+            </a:r>
+          </a:p>
+          <a:p>
+            <a:r>
+              <a:rPr lang="fr-FR" dirty="0"/>
+              <a:t>JavaScript</a:t>
+            </a:r>
+          </a:p>
+          <a:p>
+            <a:r>
+              <a:rPr lang="fr-FR" dirty="0" err="1"/>
+              <a:t>Php</a:t>
+            </a:r>
+            <a:endParaRPr lang="fr-FR" dirty="0"/>
+          </a:p>
+          <a:p>
+            <a:r>
+              <a:rPr lang="fr-FR" dirty="0" err="1"/>
+              <a:t>MySql</a:t>
+            </a:r>
+            <a:endParaRPr lang="fr-FR" dirty="0"/>
+          </a:p>
+        </p:txBody>
+      </p:sp>
     </p:spTree>
     <p:extLst>
       <p:ext uri="{BB962C8B-B14F-4D97-AF65-F5344CB8AC3E}">
@@ -12901,10 +12962,10 @@
       </p:sp>
       <p:pic>
         <p:nvPicPr>
-          <p:cNvPr id="10" name="Image 9">
+          <p:cNvPr id="3" name="Image 2">
             <a:extLst>
               <a:ext uri="{FF2B5EF4-FFF2-40B4-BE49-F238E27FC236}">
-                <a16:creationId xmlns:a16="http://schemas.microsoft.com/office/drawing/2014/main" id="{928A398E-C410-4930-BD57-7FD19175181C}"/>
+                <a16:creationId xmlns:a16="http://schemas.microsoft.com/office/drawing/2014/main" id="{74E8C1E4-7B1A-407E-95A2-05283F4D8994}"/>
               </a:ext>
             </a:extLst>
           </p:cNvPr>
@@ -12921,8 +12982,8 @@
         </p:blipFill>
         <p:spPr>
           <a:xfrm>
-            <a:off x="3200400" y="1721477"/>
-            <a:ext cx="4986411" cy="4565024"/>
+            <a:off x="2362200" y="1838325"/>
+            <a:ext cx="5476875" cy="4943475"/>
           </a:xfrm>
           <a:prstGeom prst="rect">
             <a:avLst/>
